--- a/sql.pptx
+++ b/sql.pptx
@@ -3475,13 +3475,8 @@
             </a:r>
             <a:r>
               <a:rPr lang="ru-RU" dirty="0"/>
-              <a:t>фамилии и имена клиентов, объединить две колонки в одну, назвать колонку </a:t>
-            </a:r>
-            <a:r>
-              <a:rPr lang="en-US" dirty="0" err="1"/>
-              <a:t>FullName</a:t>
-            </a:r>
-            <a:endParaRPr lang="ru-RU" dirty="0"/>
+              <a:t>фамилии и имена клиентов, объединить две колонки в одну</a:t>
+            </a:r>
           </a:p>
         </p:txBody>
       </p:sp>
@@ -3615,215 +3610,6 @@
                 <a:latin typeface="Consolas" panose="020B0609020204030204" pitchFamily="49" charset="0"/>
               </a:rPr>
               <a:t>); </a:t>
-            </a:r>
-            <a:r>
-              <a:rPr lang="ru-RU" dirty="0"/>
-              <a:t>Используйте ключевое слово </a:t>
-            </a:r>
-            <a:r>
-              <a:rPr lang="en-US" dirty="0"/>
-              <a:t>AS </a:t>
-            </a:r>
-            <a:r>
-              <a:rPr lang="ru-RU" dirty="0"/>
-              <a:t>для задания </a:t>
-            </a:r>
-            <a:r>
-              <a:rPr lang="ru-RU" dirty="0" err="1"/>
-              <a:t>альяса</a:t>
-            </a:r>
-            <a:r>
-              <a:rPr lang="ru-RU" dirty="0"/>
-              <a:t> для колонки</a:t>
-            </a:r>
-            <a:r>
-              <a:rPr lang="en-US" sz="1800" dirty="0">
-                <a:solidFill>
-                  <a:srgbClr val="808080"/>
-                </a:solidFill>
-                <a:latin typeface="Consolas" panose="020B0609020204030204" pitchFamily="49" charset="0"/>
-              </a:rPr>
-              <a:t> </a:t>
-            </a:r>
-            <a:r>
-              <a:rPr lang="en-US" sz="1800" dirty="0">
-                <a:solidFill>
-                  <a:srgbClr val="0000FF"/>
-                </a:solidFill>
-                <a:latin typeface="Consolas" panose="020B0609020204030204" pitchFamily="49" charset="0"/>
-              </a:rPr>
-              <a:t>SELECT</a:t>
-            </a:r>
-            <a:r>
-              <a:rPr lang="en-US" sz="1800" dirty="0">
-                <a:solidFill>
-                  <a:srgbClr val="000000"/>
-                </a:solidFill>
-                <a:latin typeface="Consolas" panose="020B0609020204030204" pitchFamily="49" charset="0"/>
-              </a:rPr>
-              <a:t> </a:t>
-            </a:r>
-            <a:r>
-              <a:rPr lang="en-US" sz="1800" dirty="0" err="1">
-                <a:solidFill>
-                  <a:srgbClr val="000000"/>
-                </a:solidFill>
-                <a:latin typeface="Consolas" panose="020B0609020204030204" pitchFamily="49" charset="0"/>
-              </a:rPr>
-              <a:t>Products</a:t>
-            </a:r>
-            <a:r>
-              <a:rPr lang="en-US" sz="1800" dirty="0" err="1">
-                <a:solidFill>
-                  <a:srgbClr val="808080"/>
-                </a:solidFill>
-                <a:latin typeface="Consolas" panose="020B0609020204030204" pitchFamily="49" charset="0"/>
-              </a:rPr>
-              <a:t>.</a:t>
-            </a:r>
-            <a:r>
-              <a:rPr lang="en-US" sz="1800" dirty="0" err="1">
-                <a:solidFill>
-                  <a:srgbClr val="000000"/>
-                </a:solidFill>
-                <a:latin typeface="Consolas" panose="020B0609020204030204" pitchFamily="49" charset="0"/>
-              </a:rPr>
-              <a:t>Price</a:t>
-            </a:r>
-            <a:r>
-              <a:rPr lang="en-US" sz="1800" dirty="0">
-                <a:solidFill>
-                  <a:srgbClr val="000000"/>
-                </a:solidFill>
-                <a:latin typeface="Consolas" panose="020B0609020204030204" pitchFamily="49" charset="0"/>
-              </a:rPr>
-              <a:t> </a:t>
-            </a:r>
-            <a:r>
-              <a:rPr lang="en-US" sz="1800" dirty="0">
-                <a:solidFill>
-                  <a:srgbClr val="0000FF"/>
-                </a:solidFill>
-                <a:latin typeface="Consolas" panose="020B0609020204030204" pitchFamily="49" charset="0"/>
-              </a:rPr>
-              <a:t>AS</a:t>
-            </a:r>
-            <a:r>
-              <a:rPr lang="en-US" sz="1800" dirty="0">
-                <a:solidFill>
-                  <a:srgbClr val="000000"/>
-                </a:solidFill>
-                <a:latin typeface="Consolas" panose="020B0609020204030204" pitchFamily="49" charset="0"/>
-              </a:rPr>
-              <a:t> </a:t>
-            </a:r>
-            <a:r>
-              <a:rPr lang="en-US" sz="1800" dirty="0">
-                <a:solidFill>
-                  <a:srgbClr val="FF0000"/>
-                </a:solidFill>
-                <a:latin typeface="Consolas" panose="020B0609020204030204" pitchFamily="49" charset="0"/>
-              </a:rPr>
-              <a:t>'</a:t>
-            </a:r>
-            <a:r>
-              <a:rPr lang="en-US" sz="1800" dirty="0" err="1">
-                <a:solidFill>
-                  <a:srgbClr val="FF0000"/>
-                </a:solidFill>
-                <a:latin typeface="Consolas" panose="020B0609020204030204" pitchFamily="49" charset="0"/>
-              </a:rPr>
-              <a:t>Цена</a:t>
-            </a:r>
-            <a:r>
-              <a:rPr lang="en-US" sz="1800" dirty="0">
-                <a:solidFill>
-                  <a:srgbClr val="FF0000"/>
-                </a:solidFill>
-                <a:latin typeface="Consolas" panose="020B0609020204030204" pitchFamily="49" charset="0"/>
-              </a:rPr>
-              <a:t> с НДС'</a:t>
-            </a:r>
-            <a:r>
-              <a:rPr lang="en-US" sz="1800" dirty="0">
-                <a:solidFill>
-                  <a:srgbClr val="000000"/>
-                </a:solidFill>
-                <a:latin typeface="Consolas" panose="020B0609020204030204" pitchFamily="49" charset="0"/>
-              </a:rPr>
-              <a:t> </a:t>
-            </a:r>
-            <a:r>
-              <a:rPr lang="en-US" sz="1800" dirty="0">
-                <a:solidFill>
-                  <a:srgbClr val="0000FF"/>
-                </a:solidFill>
-                <a:latin typeface="Consolas" panose="020B0609020204030204" pitchFamily="49" charset="0"/>
-              </a:rPr>
-              <a:t>FROM</a:t>
-            </a:r>
-            <a:r>
-              <a:rPr lang="en-US" sz="1800" dirty="0">
-                <a:solidFill>
-                  <a:srgbClr val="000000"/>
-                </a:solidFill>
-                <a:latin typeface="Consolas" panose="020B0609020204030204" pitchFamily="49" charset="0"/>
-              </a:rPr>
-              <a:t> Products </a:t>
-            </a:r>
-            <a:r>
-              <a:rPr lang="en-US" sz="1800" dirty="0">
-                <a:solidFill>
-                  <a:srgbClr val="0000FF"/>
-                </a:solidFill>
-                <a:latin typeface="Consolas" panose="020B0609020204030204" pitchFamily="49" charset="0"/>
-              </a:rPr>
-              <a:t>ORDER</a:t>
-            </a:r>
-            <a:r>
-              <a:rPr lang="en-US" sz="1800" dirty="0">
-                <a:solidFill>
-                  <a:srgbClr val="000000"/>
-                </a:solidFill>
-                <a:latin typeface="Consolas" panose="020B0609020204030204" pitchFamily="49" charset="0"/>
-              </a:rPr>
-              <a:t> </a:t>
-            </a:r>
-            <a:r>
-              <a:rPr lang="en-US" sz="1800" dirty="0">
-                <a:solidFill>
-                  <a:srgbClr val="0000FF"/>
-                </a:solidFill>
-                <a:latin typeface="Consolas" panose="020B0609020204030204" pitchFamily="49" charset="0"/>
-              </a:rPr>
-              <a:t>BY</a:t>
-            </a:r>
-            <a:r>
-              <a:rPr lang="en-US" sz="1800" dirty="0">
-                <a:solidFill>
-                  <a:srgbClr val="000000"/>
-                </a:solidFill>
-                <a:latin typeface="Consolas" panose="020B0609020204030204" pitchFamily="49" charset="0"/>
-              </a:rPr>
-              <a:t> Price </a:t>
-            </a:r>
-            <a:r>
-              <a:rPr lang="en-US" sz="1800" dirty="0">
-                <a:solidFill>
-                  <a:srgbClr val="0000FF"/>
-                </a:solidFill>
-                <a:latin typeface="Consolas" panose="020B0609020204030204" pitchFamily="49" charset="0"/>
-              </a:rPr>
-              <a:t>DESC</a:t>
-            </a:r>
-            <a:r>
-              <a:rPr lang="en-US" sz="1800" dirty="0">
-                <a:solidFill>
-                  <a:srgbClr val="808080"/>
-                </a:solidFill>
-                <a:latin typeface="Consolas" panose="020B0609020204030204" pitchFamily="49" charset="0"/>
-              </a:rPr>
-              <a:t>;</a:t>
             </a:r>
             <a:endParaRPr lang="ru-RU" dirty="0"/>
           </a:p>
@@ -3948,7 +3734,7 @@
           <a:p>
             <a:r>
               <a:rPr lang="ru-RU" dirty="0"/>
-              <a:t>Условие может содержать простое или сложное логическое выражение</a:t>
+              <a:t>Условие может содержать простое или составные логическое высказывания</a:t>
             </a:r>
           </a:p>
           <a:p>
@@ -5019,16 +4805,88 @@
                 </a:solidFill>
                 <a:latin typeface="Consolas" panose="020B0609020204030204" pitchFamily="49" charset="0"/>
               </a:rPr>
-              <a:t> 1</a:t>
-            </a:r>
-            <a:r>
-              <a:rPr lang="ru-RU" sz="1800" dirty="0">
-                <a:solidFill>
-                  <a:srgbClr val="000000"/>
-                </a:solidFill>
-                <a:latin typeface="Consolas" panose="020B0609020204030204" pitchFamily="49" charset="0"/>
-              </a:rPr>
-              <a:t>0</a:t>
+              <a:t> 10 </a:t>
+            </a:r>
+            <a:r>
+              <a:rPr lang="en-US" sz="1800" dirty="0">
+                <a:solidFill>
+                  <a:srgbClr val="808080"/>
+                </a:solidFill>
+                <a:latin typeface="Consolas" panose="020B0609020204030204" pitchFamily="49" charset="0"/>
+              </a:rPr>
+              <a:t>AND</a:t>
+            </a:r>
+            <a:r>
+              <a:rPr lang="en-US" sz="1800" dirty="0">
+                <a:solidFill>
+                  <a:srgbClr val="000000"/>
+                </a:solidFill>
+                <a:latin typeface="Consolas" panose="020B0609020204030204" pitchFamily="49" charset="0"/>
+              </a:rPr>
+              <a:t> </a:t>
+            </a:r>
+            <a:r>
+              <a:rPr lang="en-US" sz="1800" dirty="0">
+                <a:solidFill>
+                  <a:srgbClr val="FF00FF"/>
+                </a:solidFill>
+                <a:latin typeface="Consolas" panose="020B0609020204030204" pitchFamily="49" charset="0"/>
+              </a:rPr>
+              <a:t>COUNT</a:t>
+            </a:r>
+            <a:r>
+              <a:rPr lang="en-US" sz="1800" dirty="0">
+                <a:solidFill>
+                  <a:srgbClr val="808080"/>
+                </a:solidFill>
+                <a:latin typeface="Consolas" panose="020B0609020204030204" pitchFamily="49" charset="0"/>
+              </a:rPr>
+              <a:t>(</a:t>
+            </a:r>
+            <a:r>
+              <a:rPr lang="en-US" sz="1800" dirty="0" err="1">
+                <a:solidFill>
+                  <a:srgbClr val="000000"/>
+                </a:solidFill>
+                <a:latin typeface="Consolas" panose="020B0609020204030204" pitchFamily="49" charset="0"/>
+              </a:rPr>
+              <a:t>CustomerId</a:t>
+            </a:r>
+            <a:r>
+              <a:rPr lang="en-US" sz="1800" dirty="0">
+                <a:solidFill>
+                  <a:srgbClr val="808080"/>
+                </a:solidFill>
+                <a:latin typeface="Consolas" panose="020B0609020204030204" pitchFamily="49" charset="0"/>
+              </a:rPr>
+              <a:t>)</a:t>
+            </a:r>
+            <a:r>
+              <a:rPr lang="en-US" sz="1800" dirty="0">
+                <a:solidFill>
+                  <a:srgbClr val="000000"/>
+                </a:solidFill>
+                <a:latin typeface="Consolas" panose="020B0609020204030204" pitchFamily="49" charset="0"/>
+              </a:rPr>
+              <a:t> </a:t>
+            </a:r>
+            <a:r>
+              <a:rPr lang="en-US" sz="1800" dirty="0">
+                <a:solidFill>
+                  <a:srgbClr val="808080"/>
+                </a:solidFill>
+                <a:latin typeface="Consolas" panose="020B0609020204030204" pitchFamily="49" charset="0"/>
+              </a:rPr>
+              <a:t>&lt;=</a:t>
+            </a:r>
+            <a:r>
+              <a:rPr lang="en-US" sz="1800" dirty="0">
+                <a:solidFill>
+                  <a:srgbClr val="000000"/>
+                </a:solidFill>
+                <a:latin typeface="Consolas" panose="020B0609020204030204" pitchFamily="49" charset="0"/>
+              </a:rPr>
+              <a:t> 100</a:t>
             </a:r>
             <a:r>
               <a:rPr lang="en-US" sz="1800" dirty="0">
@@ -5115,7 +4973,15 @@
             </a:r>
             <a:r>
               <a:rPr lang="ru-RU" dirty="0"/>
-              <a:t>почтовых ящиков</a:t>
+              <a:t>почтовых ящиков (таблица </a:t>
+            </a:r>
+            <a:r>
+              <a:rPr lang="en-US" dirty="0"/>
+              <a:t>Customers) </a:t>
+            </a:r>
+            <a:r>
+              <a:rPr lang="ru-RU" dirty="0"/>
+              <a:t>и отфильтровать те записи, для которых количество</a:t>
             </a:r>
             <a:r>
               <a:rPr lang="en-US" dirty="0"/>
@@ -5123,19 +4989,11 @@
             </a:r>
             <a:r>
               <a:rPr lang="ru-RU" dirty="0"/>
-              <a:t>и отфильтровать те записи, для которых количество</a:t>
+              <a:t>появлений в группе больше </a:t>
             </a:r>
             <a:r>
               <a:rPr lang="en-US" dirty="0"/>
-              <a:t> </a:t>
-            </a:r>
-            <a:r>
-              <a:rPr lang="ru-RU" dirty="0"/>
-              <a:t>появлений в группе больше 1 из таблицы </a:t>
-            </a:r>
-            <a:r>
-              <a:rPr lang="en-US" dirty="0"/>
-              <a:t>Customers</a:t>
+              <a:t>2</a:t>
             </a:r>
             <a:endParaRPr lang="ru-RU" dirty="0"/>
           </a:p>
@@ -5474,6 +5332,13 @@
           <a:p>
             <a:r>
               <a:rPr lang="ru-RU" dirty="0"/>
+              <a:t>Можно сортировать сразу по нескольким колонкам</a:t>
+            </a:r>
+            <a:endParaRPr lang="en-US" dirty="0"/>
+          </a:p>
+          <a:p>
+            <a:r>
+              <a:rPr lang="ru-RU" dirty="0"/>
               <a:t>Пример </a:t>
             </a:r>
             <a:br>
@@ -6126,7 +5991,7 @@
             </a:r>
             <a:r>
               <a:rPr lang="ru-RU" dirty="0"/>
-              <a:t>и отсортировать результат по цене товара по возрастанию</a:t>
+              <a:t>и отсортировать результат по цене товара</a:t>
             </a:r>
           </a:p>
         </p:txBody>
@@ -6152,7 +6017,7 @@
           <a:bodyPr/>
           <a:lstStyle/>
           <a:p>
-            <a:endParaRPr lang="ru-RU"/>
+            <a:endParaRPr lang="ru-RU" dirty="0"/>
           </a:p>
         </p:txBody>
       </p:sp>
@@ -6209,7 +6074,7 @@
           <a:p>
             <a:r>
               <a:rPr lang="ru-RU" dirty="0"/>
-              <a:t>Слияние таблиц</a:t>
+              <a:t>Объединение таблиц</a:t>
             </a:r>
           </a:p>
         </p:txBody>
@@ -6241,13 +6106,17 @@
             </a:r>
             <a:r>
               <a:rPr lang="en-US" dirty="0"/>
-              <a:t>[RIGHT|LEFT|FULL|INNER] JOIN</a:t>
-            </a:r>
-          </a:p>
-          <a:p>
+              <a:t>[RIGHT OUTER|LEFT OUTER|FULL OUTER|INNER|CROSS] JOIN</a:t>
+            </a:r>
+          </a:p>
+          <a:p>
+            <a:r>
+              <a:rPr lang="en-US" dirty="0"/>
+              <a:t>3</a:t>
+            </a:r>
             <a:r>
               <a:rPr lang="ru-RU" dirty="0"/>
-              <a:t>4 наиболее часто встречающиеся типы слияний таблиц</a:t>
+              <a:t> наиболее часто встречающиеся объединения таблиц</a:t>
             </a:r>
           </a:p>
           <a:p>
@@ -6269,13 +6138,6 @@
             <a:r>
               <a:rPr lang="en-US" dirty="0"/>
               <a:t>RIGHT JOIN</a:t>
-            </a:r>
-          </a:p>
-          <a:p>
-            <a:pPr lvl="1"/>
-            <a:r>
-              <a:rPr lang="en-US" dirty="0"/>
-              <a:t>FULL JOIN</a:t>
             </a:r>
           </a:p>
           <a:p>
@@ -6928,7 +6790,7 @@
           <a:p>
             <a:r>
               <a:rPr lang="ru-RU" dirty="0"/>
-              <a:t>Соединяет две таблицы по указанным колонкам, записи в которых имеют одинаковое значения</a:t>
+              <a:t>Объединяет две таблицы по указанным колонкам, записи в которых имеют одинаковое значения</a:t>
             </a:r>
           </a:p>
           <a:p>
@@ -7504,7 +7366,7 @@
         </p:blipFill>
         <p:spPr>
           <a:xfrm>
-            <a:off x="9633204" y="1825625"/>
+            <a:off x="6752844" y="2246249"/>
             <a:ext cx="1905000" cy="1381125"/>
           </a:xfrm>
           <a:prstGeom prst="rect">
@@ -7512,6 +7374,69 @@
           </a:prstGeom>
         </p:spPr>
       </p:pic>
+      <p:graphicFrame>
+        <p:nvGraphicFramePr>
+          <p:cNvPr id="6" name="Объект 5">
+            <a:extLst>
+              <a:ext uri="{FF2B5EF4-FFF2-40B4-BE49-F238E27FC236}">
+                <a16:creationId xmlns:a16="http://schemas.microsoft.com/office/drawing/2014/main" id="{54399228-CD04-54D4-EB6A-E23F69C977FA}"/>
+              </a:ext>
+            </a:extLst>
+          </p:cNvPr>
+          <p:cNvGraphicFramePr>
+            <a:graphicFrameLocks noChangeAspect="1"/>
+          </p:cNvGraphicFramePr>
+          <p:nvPr>
+            <p:extLst>
+              <p:ext uri="{D42A27DB-BD31-4B8C-83A1-F6EECF244321}">
+                <p14:modId xmlns:p14="http://schemas.microsoft.com/office/powerpoint/2010/main" val="1934780199"/>
+              </p:ext>
+            </p:extLst>
+          </p:nvPr>
+        </p:nvGraphicFramePr>
+        <p:xfrm>
+          <a:off x="3001328" y="4791583"/>
+          <a:ext cx="3171825" cy="1057275"/>
+        </p:xfrm>
+        <a:graphic>
+          <a:graphicData uri="http://schemas.openxmlformats.org/presentationml/2006/ole">
+            <mc:AlternateContent xmlns:mc="http://schemas.openxmlformats.org/markup-compatibility/2006">
+              <mc:Choice xmlns:v="urn:schemas-microsoft-com:vml" Requires="v">
+                <p:oleObj name="Bitmap Image" r:id="rId3" imgW="3171960" imgH="1057320" progId="PBrush">
+                  <p:embed/>
+                </p:oleObj>
+              </mc:Choice>
+              <mc:Fallback>
+                <p:oleObj name="Bitmap Image" r:id="rId3" imgW="3171960" imgH="1057320" progId="PBrush">
+                  <p:embed/>
+                  <p:pic>
+                    <p:nvPicPr>
+                      <p:cNvPr id="0" name=""/>
+                      <p:cNvPicPr/>
+                      <p:nvPr/>
+                    </p:nvPicPr>
+                    <p:blipFill>
+                      <a:blip r:embed="rId4"/>
+                      <a:stretch>
+                        <a:fillRect/>
+                      </a:stretch>
+                    </p:blipFill>
+                    <p:spPr>
+                      <a:xfrm>
+                        <a:off x="3001328" y="4791583"/>
+                        <a:ext cx="3171825" cy="1057275"/>
+                      </a:xfrm>
+                      <a:prstGeom prst="rect">
+                        <a:avLst/>
+                      </a:prstGeom>
+                    </p:spPr>
+                  </p:pic>
+                </p:oleObj>
+              </mc:Fallback>
+            </mc:AlternateContent>
+          </a:graphicData>
+        </a:graphic>
+      </p:graphicFrame>
     </p:spTree>
     <p:extLst>
       <p:ext uri="{BB962C8B-B14F-4D97-AF65-F5344CB8AC3E}">
@@ -7992,7 +7917,7 @@
             </a:r>
             <a:r>
               <a:rPr lang="ru-RU" dirty="0"/>
-              <a:t> –изучите типы и наименования колонок, изучите типы связей между таблицами</a:t>
+              <a:t> –изучите типы и наименования колонок, изучите связи между таблицами</a:t>
             </a:r>
           </a:p>
         </p:txBody>

--- a/sql.pptx
+++ b/sql.pptx
@@ -58,20 +58,19 @@
     <p:sldId id="313" r:id="rId52"/>
     <p:sldId id="301" r:id="rId53"/>
     <p:sldId id="305" r:id="rId54"/>
-    <p:sldId id="306" r:id="rId55"/>
-    <p:sldId id="307" r:id="rId56"/>
-    <p:sldId id="315" r:id="rId57"/>
-    <p:sldId id="308" r:id="rId58"/>
-    <p:sldId id="311" r:id="rId59"/>
-    <p:sldId id="312" r:id="rId60"/>
-    <p:sldId id="314" r:id="rId61"/>
-    <p:sldId id="316" r:id="rId62"/>
-    <p:sldId id="317" r:id="rId63"/>
-    <p:sldId id="318" r:id="rId64"/>
-    <p:sldId id="319" r:id="rId65"/>
-    <p:sldId id="320" r:id="rId66"/>
-    <p:sldId id="299" r:id="rId67"/>
-    <p:sldId id="310" r:id="rId68"/>
+    <p:sldId id="308" r:id="rId55"/>
+    <p:sldId id="311" r:id="rId56"/>
+    <p:sldId id="312" r:id="rId57"/>
+    <p:sldId id="314" r:id="rId58"/>
+    <p:sldId id="316" r:id="rId59"/>
+    <p:sldId id="317" r:id="rId60"/>
+    <p:sldId id="318" r:id="rId61"/>
+    <p:sldId id="319" r:id="rId62"/>
+    <p:sldId id="307" r:id="rId63"/>
+    <p:sldId id="315" r:id="rId64"/>
+    <p:sldId id="320" r:id="rId65"/>
+    <p:sldId id="299" r:id="rId66"/>
+    <p:sldId id="310" r:id="rId67"/>
   </p:sldIdLst>
   <p:sldSz cx="12192000" cy="6858000"/>
   <p:notesSz cx="6858000" cy="9144000"/>
@@ -325,7 +324,7 @@
           <a:p>
             <a:fld id="{3C57F032-7C12-4F4D-B1B9-8A38CCA03185}" type="datetimeFigureOut">
               <a:rPr lang="ru-RU" smtClean="0"/>
-              <a:t>04.10.2022</a:t>
+              <a:t>05.10.2022</a:t>
             </a:fld>
             <a:endParaRPr lang="ru-RU"/>
           </a:p>
@@ -523,7 +522,7 @@
           <a:p>
             <a:fld id="{3C57F032-7C12-4F4D-B1B9-8A38CCA03185}" type="datetimeFigureOut">
               <a:rPr lang="ru-RU" smtClean="0"/>
-              <a:t>04.10.2022</a:t>
+              <a:t>05.10.2022</a:t>
             </a:fld>
             <a:endParaRPr lang="ru-RU"/>
           </a:p>
@@ -731,7 +730,7 @@
           <a:p>
             <a:fld id="{3C57F032-7C12-4F4D-B1B9-8A38CCA03185}" type="datetimeFigureOut">
               <a:rPr lang="ru-RU" smtClean="0"/>
-              <a:t>04.10.2022</a:t>
+              <a:t>05.10.2022</a:t>
             </a:fld>
             <a:endParaRPr lang="ru-RU"/>
           </a:p>
@@ -929,7 +928,7 @@
           <a:p>
             <a:fld id="{3C57F032-7C12-4F4D-B1B9-8A38CCA03185}" type="datetimeFigureOut">
               <a:rPr lang="ru-RU" smtClean="0"/>
-              <a:t>04.10.2022</a:t>
+              <a:t>05.10.2022</a:t>
             </a:fld>
             <a:endParaRPr lang="ru-RU"/>
           </a:p>
@@ -1204,7 +1203,7 @@
           <a:p>
             <a:fld id="{3C57F032-7C12-4F4D-B1B9-8A38CCA03185}" type="datetimeFigureOut">
               <a:rPr lang="ru-RU" smtClean="0"/>
-              <a:t>04.10.2022</a:t>
+              <a:t>05.10.2022</a:t>
             </a:fld>
             <a:endParaRPr lang="ru-RU"/>
           </a:p>
@@ -1469,7 +1468,7 @@
           <a:p>
             <a:fld id="{3C57F032-7C12-4F4D-B1B9-8A38CCA03185}" type="datetimeFigureOut">
               <a:rPr lang="ru-RU" smtClean="0"/>
-              <a:t>04.10.2022</a:t>
+              <a:t>05.10.2022</a:t>
             </a:fld>
             <a:endParaRPr lang="ru-RU"/>
           </a:p>
@@ -1881,7 +1880,7 @@
           <a:p>
             <a:fld id="{3C57F032-7C12-4F4D-B1B9-8A38CCA03185}" type="datetimeFigureOut">
               <a:rPr lang="ru-RU" smtClean="0"/>
-              <a:t>04.10.2022</a:t>
+              <a:t>05.10.2022</a:t>
             </a:fld>
             <a:endParaRPr lang="ru-RU"/>
           </a:p>
@@ -2022,7 +2021,7 @@
           <a:p>
             <a:fld id="{3C57F032-7C12-4F4D-B1B9-8A38CCA03185}" type="datetimeFigureOut">
               <a:rPr lang="ru-RU" smtClean="0"/>
-              <a:t>04.10.2022</a:t>
+              <a:t>05.10.2022</a:t>
             </a:fld>
             <a:endParaRPr lang="ru-RU"/>
           </a:p>
@@ -2135,7 +2134,7 @@
           <a:p>
             <a:fld id="{3C57F032-7C12-4F4D-B1B9-8A38CCA03185}" type="datetimeFigureOut">
               <a:rPr lang="ru-RU" smtClean="0"/>
-              <a:t>04.10.2022</a:t>
+              <a:t>05.10.2022</a:t>
             </a:fld>
             <a:endParaRPr lang="ru-RU"/>
           </a:p>
@@ -2446,7 +2445,7 @@
           <a:p>
             <a:fld id="{3C57F032-7C12-4F4D-B1B9-8A38CCA03185}" type="datetimeFigureOut">
               <a:rPr lang="ru-RU" smtClean="0"/>
-              <a:t>04.10.2022</a:t>
+              <a:t>05.10.2022</a:t>
             </a:fld>
             <a:endParaRPr lang="ru-RU"/>
           </a:p>
@@ -2734,7 +2733,7 @@
           <a:p>
             <a:fld id="{3C57F032-7C12-4F4D-B1B9-8A38CCA03185}" type="datetimeFigureOut">
               <a:rPr lang="ru-RU" smtClean="0"/>
-              <a:t>04.10.2022</a:t>
+              <a:t>05.10.2022</a:t>
             </a:fld>
             <a:endParaRPr lang="ru-RU"/>
           </a:p>
@@ -2975,7 +2974,7 @@
           <a:p>
             <a:fld id="{3C57F032-7C12-4F4D-B1B9-8A38CCA03185}" type="datetimeFigureOut">
               <a:rPr lang="ru-RU" smtClean="0"/>
-              <a:t>04.10.2022</a:t>
+              <a:t>05.10.2022</a:t>
             </a:fld>
             <a:endParaRPr lang="ru-RU"/>
           </a:p>
@@ -3618,12 +3617,12 @@
               <a:t>создать структуру базы данных </a:t>
             </a:r>
             <a:r>
-              <a:rPr lang="en-US" dirty="0" err="1">
+              <a:rPr lang="en-US" dirty="0">
                 <a:solidFill>
                   <a:srgbClr val="FF0000"/>
                 </a:solidFill>
               </a:rPr>
-              <a:t>DrillHoles</a:t>
+              <a:t>geology</a:t>
             </a:r>
             <a:r>
               <a:rPr lang="ru-RU" dirty="0"/>
@@ -3726,12 +3725,12 @@
               <a:t>Изучить структуру базы данных </a:t>
             </a:r>
             <a:r>
-              <a:rPr lang="en-US" dirty="0" err="1">
+              <a:rPr lang="en-US" dirty="0">
                 <a:solidFill>
                   <a:srgbClr val="FF0000"/>
                 </a:solidFill>
               </a:rPr>
-              <a:t>DrillHoles</a:t>
+              <a:t>geology</a:t>
             </a:r>
             <a:endParaRPr lang="ru-RU" dirty="0">
               <a:solidFill>
@@ -8974,18 +8973,13 @@
               <a:t> - </a:t>
             </a:r>
             <a:r>
-              <a:rPr lang="en-US" dirty="0" err="1">
+              <a:rPr lang="en-US" dirty="0">
                 <a:solidFill>
                   <a:srgbClr val="FF0000"/>
                 </a:solidFill>
               </a:rPr>
-              <a:t>DrillHoles</a:t>
-            </a:r>
-            <a:endParaRPr lang="en-US" dirty="0">
-              <a:solidFill>
-                <a:srgbClr val="FF0000"/>
-              </a:solidFill>
-            </a:endParaRPr>
+              <a:t>geology</a:t>
+            </a:r>
           </a:p>
           <a:p>
             <a:endParaRPr lang="en-US" dirty="0">
@@ -23001,12 +22995,12 @@
               <a:t>Повторение пройденного на примере базы </a:t>
             </a:r>
             <a:r>
-              <a:rPr lang="en-US" dirty="0" err="1">
+              <a:rPr lang="en-US" dirty="0">
                 <a:solidFill>
                   <a:srgbClr val="FF0000"/>
                 </a:solidFill>
               </a:rPr>
-              <a:t>DrillHoles</a:t>
+              <a:t>geology</a:t>
             </a:r>
             <a:endParaRPr lang="ru-RU" dirty="0">
               <a:solidFill>
@@ -23055,517 +23049,6 @@
 </file>
 
 <file path=ppt/slides/slide54.xml><?xml version="1.0" encoding="utf-8"?>
-<p:sld xmlns:a="http://schemas.openxmlformats.org/drawingml/2006/main" xmlns:r="http://schemas.openxmlformats.org/officeDocument/2006/relationships" xmlns:p="http://schemas.openxmlformats.org/presentationml/2006/main">
-  <p:cSld>
-    <p:spTree>
-      <p:nvGrpSpPr>
-        <p:cNvPr id="1" name=""/>
-        <p:cNvGrpSpPr/>
-        <p:nvPr/>
-      </p:nvGrpSpPr>
-      <p:grpSpPr>
-        <a:xfrm>
-          <a:off x="0" y="0"/>
-          <a:ext cx="0" cy="0"/>
-          <a:chOff x="0" y="0"/>
-          <a:chExt cx="0" cy="0"/>
-        </a:xfrm>
-      </p:grpSpPr>
-      <p:sp>
-        <p:nvSpPr>
-          <p:cNvPr id="2" name="Заголовок 1">
-            <a:extLst>
-              <a:ext uri="{FF2B5EF4-FFF2-40B4-BE49-F238E27FC236}">
-                <a16:creationId xmlns:a16="http://schemas.microsoft.com/office/drawing/2014/main" id="{6D9A6CCB-1E8A-4E2D-D011-CA030266A0A0}"/>
-              </a:ext>
-            </a:extLst>
-          </p:cNvPr>
-          <p:cNvSpPr>
-            <a:spLocks noGrp="1"/>
-          </p:cNvSpPr>
-          <p:nvPr>
-            <p:ph type="title"/>
-          </p:nvPr>
-        </p:nvSpPr>
-        <p:spPr/>
-        <p:txBody>
-          <a:bodyPr>
-            <a:normAutofit fontScale="90000"/>
-          </a:bodyPr>
-          <a:lstStyle/>
-          <a:p>
-            <a:r>
-              <a:rPr lang="ru-RU" dirty="0"/>
-              <a:t>Упражнение</a:t>
-            </a:r>
-            <a:r>
-              <a:rPr lang="en-US" dirty="0"/>
-              <a:t>: </a:t>
-            </a:r>
-            <a:r>
-              <a:rPr lang="ru-RU" dirty="0"/>
-              <a:t>Выбрать записи из таблицы </a:t>
-            </a:r>
-            <a:r>
-              <a:rPr lang="en-US" dirty="0"/>
-              <a:t>Sample, </a:t>
-            </a:r>
-            <a:r>
-              <a:rPr lang="en-US" dirty="0" err="1"/>
-              <a:t>DrillHole</a:t>
-            </a:r>
-            <a:r>
-              <a:rPr lang="en-US" dirty="0"/>
-              <a:t> </a:t>
-            </a:r>
-            <a:r>
-              <a:rPr lang="ru-RU" dirty="0"/>
-              <a:t>и </a:t>
-            </a:r>
-            <a:r>
-              <a:rPr lang="en-US" dirty="0"/>
-              <a:t>Lithology, </a:t>
-            </a:r>
-            <a:r>
-              <a:rPr lang="ru-RU" dirty="0"/>
-              <a:t>для которых есть общие строки</a:t>
-            </a:r>
-          </a:p>
-        </p:txBody>
-      </p:sp>
-      <p:sp>
-        <p:nvSpPr>
-          <p:cNvPr id="3" name="Текст 2">
-            <a:extLst>
-              <a:ext uri="{FF2B5EF4-FFF2-40B4-BE49-F238E27FC236}">
-                <a16:creationId xmlns:a16="http://schemas.microsoft.com/office/drawing/2014/main" id="{AA5FB37C-B9B3-6752-23AA-9AA2D98EAD28}"/>
-              </a:ext>
-            </a:extLst>
-          </p:cNvPr>
-          <p:cNvSpPr>
-            <a:spLocks noGrp="1"/>
-          </p:cNvSpPr>
-          <p:nvPr>
-            <p:ph type="body" idx="1"/>
-          </p:nvPr>
-        </p:nvSpPr>
-        <p:spPr/>
-        <p:txBody>
-          <a:bodyPr/>
-          <a:lstStyle/>
-          <a:p>
-            <a:r>
-              <a:rPr lang="ru-RU" dirty="0"/>
-              <a:t>Подсказка</a:t>
-            </a:r>
-            <a:r>
-              <a:rPr lang="en-US" dirty="0"/>
-              <a:t>: </a:t>
-            </a:r>
-            <a:r>
-              <a:rPr lang="ru-RU" dirty="0"/>
-              <a:t>Используйте </a:t>
-            </a:r>
-            <a:r>
-              <a:rPr lang="en-US" dirty="0"/>
-              <a:t>INNER JOIN</a:t>
-            </a:r>
-            <a:endParaRPr lang="ru-RU" dirty="0"/>
-          </a:p>
-        </p:txBody>
-      </p:sp>
-    </p:spTree>
-    <p:extLst>
-      <p:ext uri="{BB962C8B-B14F-4D97-AF65-F5344CB8AC3E}">
-        <p14:creationId xmlns:p14="http://schemas.microsoft.com/office/powerpoint/2010/main" val="3640320987"/>
-      </p:ext>
-    </p:extLst>
-  </p:cSld>
-  <p:clrMapOvr>
-    <a:masterClrMapping/>
-  </p:clrMapOvr>
-</p:sld>
-</file>
-
-<file path=ppt/slides/slide55.xml><?xml version="1.0" encoding="utf-8"?>
-<p:sld xmlns:a="http://schemas.openxmlformats.org/drawingml/2006/main" xmlns:r="http://schemas.openxmlformats.org/officeDocument/2006/relationships" xmlns:p="http://schemas.openxmlformats.org/presentationml/2006/main">
-  <p:cSld>
-    <p:spTree>
-      <p:nvGrpSpPr>
-        <p:cNvPr id="1" name=""/>
-        <p:cNvGrpSpPr/>
-        <p:nvPr/>
-      </p:nvGrpSpPr>
-      <p:grpSpPr>
-        <a:xfrm>
-          <a:off x="0" y="0"/>
-          <a:ext cx="0" cy="0"/>
-          <a:chOff x="0" y="0"/>
-          <a:chExt cx="0" cy="0"/>
-        </a:xfrm>
-      </p:grpSpPr>
-      <p:sp>
-        <p:nvSpPr>
-          <p:cNvPr id="2" name="Заголовок 1">
-            <a:extLst>
-              <a:ext uri="{FF2B5EF4-FFF2-40B4-BE49-F238E27FC236}">
-                <a16:creationId xmlns:a16="http://schemas.microsoft.com/office/drawing/2014/main" id="{D3AFDB3E-6F7A-CF82-2F66-7BFF0935E465}"/>
-              </a:ext>
-            </a:extLst>
-          </p:cNvPr>
-          <p:cNvSpPr>
-            <a:spLocks noGrp="1"/>
-          </p:cNvSpPr>
-          <p:nvPr>
-            <p:ph type="title"/>
-          </p:nvPr>
-        </p:nvSpPr>
-        <p:spPr/>
-        <p:txBody>
-          <a:bodyPr>
-            <a:normAutofit fontScale="90000"/>
-          </a:bodyPr>
-          <a:lstStyle/>
-          <a:p>
-            <a:r>
-              <a:rPr lang="ru-RU" sz="5300" dirty="0"/>
-              <a:t>Упражнение</a:t>
-            </a:r>
-            <a:r>
-              <a:rPr lang="en-US" sz="5300" dirty="0"/>
-              <a:t>: </a:t>
-            </a:r>
-            <a:r>
-              <a:rPr lang="ru-RU" sz="5300" dirty="0"/>
-              <a:t>Выбрать все записи из таблицы </a:t>
-            </a:r>
-            <a:r>
-              <a:rPr lang="en-US" sz="5300" dirty="0"/>
-              <a:t>Sample </a:t>
-            </a:r>
-            <a:r>
-              <a:rPr lang="ru-RU" sz="5300" dirty="0"/>
-              <a:t>и </a:t>
-            </a:r>
-            <a:r>
-              <a:rPr lang="en-US" sz="5300" dirty="0" err="1"/>
-              <a:t>DrillHole</a:t>
-            </a:r>
-            <a:r>
-              <a:rPr lang="ru-RU" sz="5300" dirty="0"/>
-              <a:t>, для которых есть общие записи, и объединить с таблицей</a:t>
-            </a:r>
-            <a:r>
-              <a:rPr lang="en-US" sz="5300" dirty="0"/>
-              <a:t> Lithology </a:t>
-            </a:r>
-            <a:r>
-              <a:rPr lang="ru-RU" sz="5300" dirty="0"/>
-              <a:t>и </a:t>
-            </a:r>
-            <a:r>
-              <a:rPr lang="en-US" sz="5300" dirty="0" err="1"/>
-              <a:t>Lithology_Types</a:t>
-            </a:r>
-            <a:r>
-              <a:rPr lang="ru-RU" sz="5300" dirty="0"/>
-              <a:t>, подставляя значения </a:t>
-            </a:r>
-            <a:r>
-              <a:rPr lang="en-US" sz="5300" dirty="0"/>
-              <a:t>NULL </a:t>
-            </a:r>
-            <a:r>
-              <a:rPr lang="ru-RU" sz="5300" dirty="0"/>
-              <a:t>для отсутствующих записей в этих таблицах</a:t>
-            </a:r>
-            <a:r>
-              <a:rPr lang="ru-RU" dirty="0"/>
-              <a:t> </a:t>
-            </a:r>
-          </a:p>
-        </p:txBody>
-      </p:sp>
-      <p:sp>
-        <p:nvSpPr>
-          <p:cNvPr id="3" name="Текст 2">
-            <a:extLst>
-              <a:ext uri="{FF2B5EF4-FFF2-40B4-BE49-F238E27FC236}">
-                <a16:creationId xmlns:a16="http://schemas.microsoft.com/office/drawing/2014/main" id="{B1128D79-146C-42A0-AE75-27433760E756}"/>
-              </a:ext>
-            </a:extLst>
-          </p:cNvPr>
-          <p:cNvSpPr>
-            <a:spLocks noGrp="1"/>
-          </p:cNvSpPr>
-          <p:nvPr>
-            <p:ph type="body" idx="1"/>
-          </p:nvPr>
-        </p:nvSpPr>
-        <p:spPr/>
-        <p:txBody>
-          <a:bodyPr/>
-          <a:lstStyle/>
-          <a:p>
-            <a:r>
-              <a:rPr lang="ru-RU" dirty="0"/>
-              <a:t>Подсказка</a:t>
-            </a:r>
-            <a:r>
-              <a:rPr lang="en-US" dirty="0"/>
-              <a:t>:</a:t>
-            </a:r>
-            <a:r>
-              <a:rPr lang="ru-RU" dirty="0"/>
-              <a:t> Используйте </a:t>
-            </a:r>
-            <a:r>
-              <a:rPr lang="en-US" dirty="0"/>
-              <a:t>LEFT JOIN </a:t>
-            </a:r>
-            <a:r>
-              <a:rPr lang="ru-RU" dirty="0"/>
-              <a:t>для таблиц </a:t>
-            </a:r>
-            <a:r>
-              <a:rPr lang="en-US" dirty="0"/>
-              <a:t>Lithology </a:t>
-            </a:r>
-            <a:r>
-              <a:rPr lang="ru-RU" dirty="0"/>
-              <a:t>и </a:t>
-            </a:r>
-            <a:r>
-              <a:rPr lang="en-US" dirty="0" err="1"/>
-              <a:t>Lithology_Types</a:t>
-            </a:r>
-            <a:r>
-              <a:rPr lang="ru-RU" dirty="0"/>
-              <a:t>, а также сопоставление по </a:t>
-            </a:r>
-            <a:r>
-              <a:rPr lang="en-US" dirty="0" err="1"/>
-              <a:t>FromDepth</a:t>
-            </a:r>
-            <a:r>
-              <a:rPr lang="en-US" dirty="0"/>
-              <a:t> </a:t>
-            </a:r>
-            <a:r>
-              <a:rPr lang="ru-RU" dirty="0"/>
-              <a:t>и </a:t>
-            </a:r>
-            <a:r>
-              <a:rPr lang="en-US" dirty="0" err="1"/>
-              <a:t>ToDepth</a:t>
-            </a:r>
-            <a:r>
-              <a:rPr lang="en-US" dirty="0"/>
-              <a:t> </a:t>
-            </a:r>
-            <a:r>
-              <a:rPr lang="ru-RU" dirty="0"/>
-              <a:t>для таблиц </a:t>
-            </a:r>
-            <a:r>
-              <a:rPr lang="en-US" dirty="0"/>
-              <a:t>Sample </a:t>
-            </a:r>
-            <a:r>
-              <a:rPr lang="ru-RU" dirty="0"/>
-              <a:t>и </a:t>
-            </a:r>
-            <a:r>
-              <a:rPr lang="en-US" dirty="0"/>
-              <a:t>Lithology</a:t>
-            </a:r>
-            <a:endParaRPr lang="ru-RU" dirty="0"/>
-          </a:p>
-        </p:txBody>
-      </p:sp>
-    </p:spTree>
-    <p:extLst>
-      <p:ext uri="{BB962C8B-B14F-4D97-AF65-F5344CB8AC3E}">
-        <p14:creationId xmlns:p14="http://schemas.microsoft.com/office/powerpoint/2010/main" val="58593714"/>
-      </p:ext>
-    </p:extLst>
-  </p:cSld>
-  <p:clrMapOvr>
-    <a:masterClrMapping/>
-  </p:clrMapOvr>
-</p:sld>
-</file>
-
-<file path=ppt/slides/slide56.xml><?xml version="1.0" encoding="utf-8"?>
-<p:sld xmlns:a="http://schemas.openxmlformats.org/drawingml/2006/main" xmlns:r="http://schemas.openxmlformats.org/officeDocument/2006/relationships" xmlns:p="http://schemas.openxmlformats.org/presentationml/2006/main">
-  <p:cSld>
-    <p:spTree>
-      <p:nvGrpSpPr>
-        <p:cNvPr id="1" name=""/>
-        <p:cNvGrpSpPr/>
-        <p:nvPr/>
-      </p:nvGrpSpPr>
-      <p:grpSpPr>
-        <a:xfrm>
-          <a:off x="0" y="0"/>
-          <a:ext cx="0" cy="0"/>
-          <a:chOff x="0" y="0"/>
-          <a:chExt cx="0" cy="0"/>
-        </a:xfrm>
-      </p:grpSpPr>
-      <p:sp>
-        <p:nvSpPr>
-          <p:cNvPr id="2" name="Заголовок 1">
-            <a:extLst>
-              <a:ext uri="{FF2B5EF4-FFF2-40B4-BE49-F238E27FC236}">
-                <a16:creationId xmlns:a16="http://schemas.microsoft.com/office/drawing/2014/main" id="{F216DA5E-1108-E316-3A9E-E54F056A2AF9}"/>
-              </a:ext>
-            </a:extLst>
-          </p:cNvPr>
-          <p:cNvSpPr>
-            <a:spLocks noGrp="1"/>
-          </p:cNvSpPr>
-          <p:nvPr>
-            <p:ph type="title"/>
-          </p:nvPr>
-        </p:nvSpPr>
-        <p:spPr/>
-        <p:txBody>
-          <a:bodyPr>
-            <a:normAutofit fontScale="90000"/>
-          </a:bodyPr>
-          <a:lstStyle/>
-          <a:p>
-            <a:r>
-              <a:rPr lang="ru-RU" sz="4400" dirty="0"/>
-              <a:t>Упражнение</a:t>
-            </a:r>
-            <a:r>
-              <a:rPr lang="en-US" sz="4400" dirty="0"/>
-              <a:t>: </a:t>
-            </a:r>
-            <a:r>
-              <a:rPr lang="ru-RU" sz="4400" dirty="0"/>
-              <a:t>Выбрать все записи из таблицы </a:t>
-            </a:r>
-            <a:r>
-              <a:rPr lang="en-US" sz="4400" dirty="0"/>
-              <a:t>Sample </a:t>
-            </a:r>
-            <a:r>
-              <a:rPr lang="ru-RU" sz="4400" dirty="0"/>
-              <a:t>и </a:t>
-            </a:r>
-            <a:r>
-              <a:rPr lang="en-US" sz="4400" dirty="0" err="1"/>
-              <a:t>DrillHole</a:t>
-            </a:r>
-            <a:r>
-              <a:rPr lang="ru-RU" sz="4400" dirty="0"/>
-              <a:t>, для которых есть общие записи, и объединить с таблицей</a:t>
-            </a:r>
-            <a:r>
-              <a:rPr lang="en-US" sz="4400" dirty="0"/>
-              <a:t> Lithology </a:t>
-            </a:r>
-            <a:r>
-              <a:rPr lang="ru-RU" sz="4400" dirty="0"/>
-              <a:t>и </a:t>
-            </a:r>
-            <a:r>
-              <a:rPr lang="en-US" sz="4400" dirty="0" err="1"/>
-              <a:t>Lithology_Types</a:t>
-            </a:r>
-            <a:r>
-              <a:rPr lang="ru-RU" sz="4400" dirty="0"/>
-              <a:t>, подставляя значения </a:t>
-            </a:r>
-            <a:r>
-              <a:rPr lang="en-US" sz="4400" dirty="0"/>
-              <a:t>NULL </a:t>
-            </a:r>
-            <a:r>
-              <a:rPr lang="ru-RU" sz="4400" dirty="0"/>
-              <a:t>для отсутствующих записей в этих таблицах, и отфильтровать значения, для которых </a:t>
-            </a:r>
-            <a:r>
-              <a:rPr lang="en-US" sz="4400" dirty="0" err="1"/>
-              <a:t>Lithology_Types.Description</a:t>
-            </a:r>
-            <a:r>
-              <a:rPr lang="en-US" sz="4400" dirty="0"/>
-              <a:t> </a:t>
-            </a:r>
-            <a:r>
-              <a:rPr lang="ru-RU" sz="4400" dirty="0"/>
-              <a:t>равен </a:t>
-            </a:r>
-            <a:r>
-              <a:rPr lang="en-US" sz="4400" dirty="0"/>
-              <a:t>‘</a:t>
-            </a:r>
-            <a:r>
-              <a:rPr lang="ru-RU" sz="4400" dirty="0"/>
-              <a:t>Известняк</a:t>
-            </a:r>
-            <a:r>
-              <a:rPr lang="en-US" sz="5300" dirty="0"/>
-              <a:t>’</a:t>
-            </a:r>
-            <a:endParaRPr lang="ru-RU" dirty="0"/>
-          </a:p>
-        </p:txBody>
-      </p:sp>
-      <p:sp>
-        <p:nvSpPr>
-          <p:cNvPr id="3" name="Текст 2">
-            <a:extLst>
-              <a:ext uri="{FF2B5EF4-FFF2-40B4-BE49-F238E27FC236}">
-                <a16:creationId xmlns:a16="http://schemas.microsoft.com/office/drawing/2014/main" id="{E7802012-B41C-4C61-6009-CD41D8731F12}"/>
-              </a:ext>
-            </a:extLst>
-          </p:cNvPr>
-          <p:cNvSpPr>
-            <a:spLocks noGrp="1"/>
-          </p:cNvSpPr>
-          <p:nvPr>
-            <p:ph type="body" idx="1"/>
-          </p:nvPr>
-        </p:nvSpPr>
-        <p:spPr/>
-        <p:txBody>
-          <a:bodyPr/>
-          <a:lstStyle/>
-          <a:p>
-            <a:r>
-              <a:rPr lang="ru-RU" dirty="0"/>
-              <a:t>Подсказка</a:t>
-            </a:r>
-            <a:r>
-              <a:rPr lang="en-US" dirty="0"/>
-              <a:t>: </a:t>
-            </a:r>
-            <a:r>
-              <a:rPr lang="ru-RU" dirty="0"/>
-              <a:t>Используйте запрос из предыдущего упражнения</a:t>
-            </a:r>
-          </a:p>
-        </p:txBody>
-      </p:sp>
-    </p:spTree>
-    <p:extLst>
-      <p:ext uri="{BB962C8B-B14F-4D97-AF65-F5344CB8AC3E}">
-        <p14:creationId xmlns:p14="http://schemas.microsoft.com/office/powerpoint/2010/main" val="392110719"/>
-      </p:ext>
-    </p:extLst>
-  </p:cSld>
-  <p:clrMapOvr>
-    <a:masterClrMapping/>
-  </p:clrMapOvr>
-</p:sld>
-</file>
-
-<file path=ppt/slides/slide57.xml><?xml version="1.0" encoding="utf-8"?>
 <p:sld xmlns:a="http://schemas.openxmlformats.org/drawingml/2006/main" xmlns:r="http://schemas.openxmlformats.org/officeDocument/2006/relationships" xmlns:p="http://schemas.openxmlformats.org/presentationml/2006/main">
   <p:cSld>
     <p:spTree>
@@ -23658,7 +23141,7 @@
 </p:sld>
 </file>
 
-<file path=ppt/slides/slide58.xml><?xml version="1.0" encoding="utf-8"?>
+<file path=ppt/slides/slide55.xml><?xml version="1.0" encoding="utf-8"?>
 <p:sld xmlns:a="http://schemas.openxmlformats.org/drawingml/2006/main" xmlns:r="http://schemas.openxmlformats.org/officeDocument/2006/relationships" xmlns:p="http://schemas.openxmlformats.org/presentationml/2006/main">
   <p:cSld>
     <p:spTree>
@@ -23751,7 +23234,7 @@
 </p:sld>
 </file>
 
-<file path=ppt/slides/slide59.xml><?xml version="1.0" encoding="utf-8"?>
+<file path=ppt/slides/slide56.xml><?xml version="1.0" encoding="utf-8"?>
 <p:sld xmlns:a="http://schemas.openxmlformats.org/drawingml/2006/main" xmlns:r="http://schemas.openxmlformats.org/officeDocument/2006/relationships" xmlns:p="http://schemas.openxmlformats.org/presentationml/2006/main">
   <p:cSld>
     <p:spTree>
@@ -23833,6 +23316,342 @@
     <p:extLst>
       <p:ext uri="{BB962C8B-B14F-4D97-AF65-F5344CB8AC3E}">
         <p14:creationId xmlns:p14="http://schemas.microsoft.com/office/powerpoint/2010/main" val="608768730"/>
+      </p:ext>
+    </p:extLst>
+  </p:cSld>
+  <p:clrMapOvr>
+    <a:masterClrMapping/>
+  </p:clrMapOvr>
+</p:sld>
+</file>
+
+<file path=ppt/slides/slide57.xml><?xml version="1.0" encoding="utf-8"?>
+<p:sld xmlns:a="http://schemas.openxmlformats.org/drawingml/2006/main" xmlns:r="http://schemas.openxmlformats.org/officeDocument/2006/relationships" xmlns:p="http://schemas.openxmlformats.org/presentationml/2006/main">
+  <p:cSld>
+    <p:spTree>
+      <p:nvGrpSpPr>
+        <p:cNvPr id="1" name=""/>
+        <p:cNvGrpSpPr/>
+        <p:nvPr/>
+      </p:nvGrpSpPr>
+      <p:grpSpPr>
+        <a:xfrm>
+          <a:off x="0" y="0"/>
+          <a:ext cx="0" cy="0"/>
+          <a:chOff x="0" y="0"/>
+          <a:chExt cx="0" cy="0"/>
+        </a:xfrm>
+      </p:grpSpPr>
+      <p:sp>
+        <p:nvSpPr>
+          <p:cNvPr id="2" name="Заголовок 1">
+            <a:extLst>
+              <a:ext uri="{FF2B5EF4-FFF2-40B4-BE49-F238E27FC236}">
+                <a16:creationId xmlns:a16="http://schemas.microsoft.com/office/drawing/2014/main" id="{A9AEABD6-9CC6-C254-8F7C-F8C840ABC731}"/>
+              </a:ext>
+            </a:extLst>
+          </p:cNvPr>
+          <p:cNvSpPr>
+            <a:spLocks noGrp="1"/>
+          </p:cNvSpPr>
+          <p:nvPr>
+            <p:ph type="title"/>
+          </p:nvPr>
+        </p:nvSpPr>
+        <p:spPr/>
+        <p:txBody>
+          <a:bodyPr>
+            <a:normAutofit fontScale="90000"/>
+          </a:bodyPr>
+          <a:lstStyle/>
+          <a:p>
+            <a:r>
+              <a:rPr lang="ru-RU" dirty="0"/>
+              <a:t>Упражнение</a:t>
+            </a:r>
+            <a:r>
+              <a:rPr lang="en-US" dirty="0"/>
+              <a:t>: </a:t>
+            </a:r>
+            <a:r>
+              <a:rPr lang="ru-RU" dirty="0"/>
+              <a:t>Выбрать все пробы для скважин, содержащие в название строку С-01</a:t>
+            </a:r>
+          </a:p>
+        </p:txBody>
+      </p:sp>
+      <p:sp>
+        <p:nvSpPr>
+          <p:cNvPr id="3" name="Текст 2">
+            <a:extLst>
+              <a:ext uri="{FF2B5EF4-FFF2-40B4-BE49-F238E27FC236}">
+                <a16:creationId xmlns:a16="http://schemas.microsoft.com/office/drawing/2014/main" id="{05E0A59F-3AC3-D883-281A-76C094F637D2}"/>
+              </a:ext>
+            </a:extLst>
+          </p:cNvPr>
+          <p:cNvSpPr>
+            <a:spLocks noGrp="1"/>
+          </p:cNvSpPr>
+          <p:nvPr>
+            <p:ph type="body" idx="1"/>
+          </p:nvPr>
+        </p:nvSpPr>
+        <p:spPr/>
+        <p:txBody>
+          <a:bodyPr/>
+          <a:lstStyle/>
+          <a:p>
+            <a:endParaRPr lang="ru-RU" dirty="0"/>
+          </a:p>
+        </p:txBody>
+      </p:sp>
+    </p:spTree>
+    <p:extLst>
+      <p:ext uri="{BB962C8B-B14F-4D97-AF65-F5344CB8AC3E}">
+        <p14:creationId xmlns:p14="http://schemas.microsoft.com/office/powerpoint/2010/main" val="2584313887"/>
+      </p:ext>
+    </p:extLst>
+  </p:cSld>
+  <p:clrMapOvr>
+    <a:masterClrMapping/>
+  </p:clrMapOvr>
+</p:sld>
+</file>
+
+<file path=ppt/slides/slide58.xml><?xml version="1.0" encoding="utf-8"?>
+<p:sld xmlns:a="http://schemas.openxmlformats.org/drawingml/2006/main" xmlns:r="http://schemas.openxmlformats.org/officeDocument/2006/relationships" xmlns:p="http://schemas.openxmlformats.org/presentationml/2006/main">
+  <p:cSld>
+    <p:spTree>
+      <p:nvGrpSpPr>
+        <p:cNvPr id="1" name=""/>
+        <p:cNvGrpSpPr/>
+        <p:nvPr/>
+      </p:nvGrpSpPr>
+      <p:grpSpPr>
+        <a:xfrm>
+          <a:off x="0" y="0"/>
+          <a:ext cx="0" cy="0"/>
+          <a:chOff x="0" y="0"/>
+          <a:chExt cx="0" cy="0"/>
+        </a:xfrm>
+      </p:grpSpPr>
+      <p:sp>
+        <p:nvSpPr>
+          <p:cNvPr id="2" name="Заголовок 1">
+            <a:extLst>
+              <a:ext uri="{FF2B5EF4-FFF2-40B4-BE49-F238E27FC236}">
+                <a16:creationId xmlns:a16="http://schemas.microsoft.com/office/drawing/2014/main" id="{280D19DD-39CC-567E-A45E-AA769127982E}"/>
+              </a:ext>
+            </a:extLst>
+          </p:cNvPr>
+          <p:cNvSpPr>
+            <a:spLocks noGrp="1"/>
+          </p:cNvSpPr>
+          <p:nvPr>
+            <p:ph type="title"/>
+          </p:nvPr>
+        </p:nvSpPr>
+        <p:spPr/>
+        <p:txBody>
+          <a:bodyPr/>
+          <a:lstStyle/>
+          <a:p>
+            <a:r>
+              <a:rPr lang="ru-RU" dirty="0"/>
+              <a:t>Упражнение</a:t>
+            </a:r>
+            <a:r>
+              <a:rPr lang="en-US" dirty="0"/>
+              <a:t>: </a:t>
+            </a:r>
+            <a:r>
+              <a:rPr lang="ru-RU" dirty="0"/>
+              <a:t>Подсчитать количество проб по каждой скважине</a:t>
+            </a:r>
+          </a:p>
+        </p:txBody>
+      </p:sp>
+      <p:sp>
+        <p:nvSpPr>
+          <p:cNvPr id="3" name="Текст 2">
+            <a:extLst>
+              <a:ext uri="{FF2B5EF4-FFF2-40B4-BE49-F238E27FC236}">
+                <a16:creationId xmlns:a16="http://schemas.microsoft.com/office/drawing/2014/main" id="{B2C2CCD3-4354-CF49-702D-FABD82A4308D}"/>
+              </a:ext>
+            </a:extLst>
+          </p:cNvPr>
+          <p:cNvSpPr>
+            <a:spLocks noGrp="1"/>
+          </p:cNvSpPr>
+          <p:nvPr>
+            <p:ph type="body" idx="1"/>
+          </p:nvPr>
+        </p:nvSpPr>
+        <p:spPr/>
+        <p:txBody>
+          <a:bodyPr/>
+          <a:lstStyle/>
+          <a:p>
+            <a:endParaRPr lang="ru-RU"/>
+          </a:p>
+        </p:txBody>
+      </p:sp>
+    </p:spTree>
+    <p:extLst>
+      <p:ext uri="{BB962C8B-B14F-4D97-AF65-F5344CB8AC3E}">
+        <p14:creationId xmlns:p14="http://schemas.microsoft.com/office/powerpoint/2010/main" val="3339631334"/>
+      </p:ext>
+    </p:extLst>
+  </p:cSld>
+  <p:clrMapOvr>
+    <a:masterClrMapping/>
+  </p:clrMapOvr>
+</p:sld>
+</file>
+
+<file path=ppt/slides/slide59.xml><?xml version="1.0" encoding="utf-8"?>
+<p:sld xmlns:a="http://schemas.openxmlformats.org/drawingml/2006/main" xmlns:r="http://schemas.openxmlformats.org/officeDocument/2006/relationships" xmlns:p="http://schemas.openxmlformats.org/presentationml/2006/main">
+  <p:cSld>
+    <p:spTree>
+      <p:nvGrpSpPr>
+        <p:cNvPr id="1" name=""/>
+        <p:cNvGrpSpPr/>
+        <p:nvPr/>
+      </p:nvGrpSpPr>
+      <p:grpSpPr>
+        <a:xfrm>
+          <a:off x="0" y="0"/>
+          <a:ext cx="0" cy="0"/>
+          <a:chOff x="0" y="0"/>
+          <a:chExt cx="0" cy="0"/>
+        </a:xfrm>
+      </p:grpSpPr>
+      <p:sp>
+        <p:nvSpPr>
+          <p:cNvPr id="2" name="Заголовок 1">
+            <a:extLst>
+              <a:ext uri="{FF2B5EF4-FFF2-40B4-BE49-F238E27FC236}">
+                <a16:creationId xmlns:a16="http://schemas.microsoft.com/office/drawing/2014/main" id="{A14D2372-96E2-3554-E9D4-B2CAA5046146}"/>
+              </a:ext>
+            </a:extLst>
+          </p:cNvPr>
+          <p:cNvSpPr>
+            <a:spLocks noGrp="1"/>
+          </p:cNvSpPr>
+          <p:nvPr>
+            <p:ph type="title"/>
+          </p:nvPr>
+        </p:nvSpPr>
+        <p:spPr/>
+        <p:txBody>
+          <a:bodyPr>
+            <a:normAutofit fontScale="90000"/>
+          </a:bodyPr>
+          <a:lstStyle/>
+          <a:p>
+            <a:r>
+              <a:rPr lang="ru-RU" dirty="0"/>
+              <a:t>Упражнение</a:t>
+            </a:r>
+            <a:r>
+              <a:rPr lang="en-US" dirty="0"/>
+              <a:t>: </a:t>
+            </a:r>
+            <a:r>
+              <a:rPr lang="ru-RU" dirty="0"/>
+              <a:t>Используя оператор </a:t>
+            </a:r>
+            <a:r>
+              <a:rPr lang="en-US" dirty="0"/>
+              <a:t>CASE </a:t>
+            </a:r>
+            <a:r>
+              <a:rPr lang="ru-RU" dirty="0"/>
+              <a:t>определите категорию, к которой принадлежит проба</a:t>
+            </a:r>
+          </a:p>
+        </p:txBody>
+      </p:sp>
+      <p:sp>
+        <p:nvSpPr>
+          <p:cNvPr id="3" name="Текст 2">
+            <a:extLst>
+              <a:ext uri="{FF2B5EF4-FFF2-40B4-BE49-F238E27FC236}">
+                <a16:creationId xmlns:a16="http://schemas.microsoft.com/office/drawing/2014/main" id="{FCD92C1A-8BD0-AAA4-032E-8E471CE08D9D}"/>
+              </a:ext>
+            </a:extLst>
+          </p:cNvPr>
+          <p:cNvSpPr>
+            <a:spLocks noGrp="1"/>
+          </p:cNvSpPr>
+          <p:nvPr>
+            <p:ph type="body" idx="1"/>
+          </p:nvPr>
+        </p:nvSpPr>
+        <p:spPr/>
+        <p:txBody>
+          <a:bodyPr/>
+          <a:lstStyle/>
+          <a:p>
+            <a:r>
+              <a:rPr lang="ru-RU" dirty="0"/>
+              <a:t>Подсказка</a:t>
+            </a:r>
+            <a:r>
+              <a:rPr lang="en-US" dirty="0"/>
+              <a:t>: </a:t>
+            </a:r>
+            <a:r>
+              <a:rPr lang="ru-RU" dirty="0"/>
+              <a:t>Используйте категорию </a:t>
+            </a:r>
+            <a:r>
+              <a:rPr lang="en-US" dirty="0"/>
+              <a:t>‘</a:t>
+            </a:r>
+            <a:r>
+              <a:rPr lang="ru-RU" dirty="0"/>
+              <a:t>Богатая</a:t>
+            </a:r>
+            <a:r>
+              <a:rPr lang="en-US" dirty="0"/>
+              <a:t>’</a:t>
+            </a:r>
+            <a:r>
+              <a:rPr lang="ru-RU" dirty="0"/>
+              <a:t> если содержание золота </a:t>
+            </a:r>
+            <a:r>
+              <a:rPr lang="en-US" dirty="0"/>
+              <a:t>&gt; 2 </a:t>
+            </a:r>
+            <a:r>
+              <a:rPr lang="ru-RU" dirty="0"/>
+              <a:t>грамм на тонну, и </a:t>
+            </a:r>
+            <a:r>
+              <a:rPr lang="en-US" dirty="0"/>
+              <a:t>‘</a:t>
+            </a:r>
+            <a:r>
+              <a:rPr lang="ru-RU" dirty="0"/>
+              <a:t>Бедная</a:t>
+            </a:r>
+            <a:r>
+              <a:rPr lang="en-US" dirty="0"/>
+              <a:t>’</a:t>
+            </a:r>
+            <a:r>
+              <a:rPr lang="ru-RU" dirty="0"/>
+              <a:t> иначе</a:t>
+            </a:r>
+          </a:p>
+        </p:txBody>
+      </p:sp>
+    </p:spTree>
+    <p:extLst>
+      <p:ext uri="{BB962C8B-B14F-4D97-AF65-F5344CB8AC3E}">
+        <p14:creationId xmlns:p14="http://schemas.microsoft.com/office/powerpoint/2010/main" val="4131681387"/>
       </p:ext>
     </p:extLst>
   </p:cSld>
@@ -23993,342 +23812,6 @@
           <p:cNvPr id="2" name="Заголовок 1">
             <a:extLst>
               <a:ext uri="{FF2B5EF4-FFF2-40B4-BE49-F238E27FC236}">
-                <a16:creationId xmlns:a16="http://schemas.microsoft.com/office/drawing/2014/main" id="{A9AEABD6-9CC6-C254-8F7C-F8C840ABC731}"/>
-              </a:ext>
-            </a:extLst>
-          </p:cNvPr>
-          <p:cNvSpPr>
-            <a:spLocks noGrp="1"/>
-          </p:cNvSpPr>
-          <p:nvPr>
-            <p:ph type="title"/>
-          </p:nvPr>
-        </p:nvSpPr>
-        <p:spPr/>
-        <p:txBody>
-          <a:bodyPr>
-            <a:normAutofit fontScale="90000"/>
-          </a:bodyPr>
-          <a:lstStyle/>
-          <a:p>
-            <a:r>
-              <a:rPr lang="ru-RU" dirty="0"/>
-              <a:t>Упражнение</a:t>
-            </a:r>
-            <a:r>
-              <a:rPr lang="en-US" dirty="0"/>
-              <a:t>: </a:t>
-            </a:r>
-            <a:r>
-              <a:rPr lang="ru-RU" dirty="0"/>
-              <a:t>Выбрать все пробы, для скважин, содержащие в название строку С-01</a:t>
-            </a:r>
-          </a:p>
-        </p:txBody>
-      </p:sp>
-      <p:sp>
-        <p:nvSpPr>
-          <p:cNvPr id="3" name="Текст 2">
-            <a:extLst>
-              <a:ext uri="{FF2B5EF4-FFF2-40B4-BE49-F238E27FC236}">
-                <a16:creationId xmlns:a16="http://schemas.microsoft.com/office/drawing/2014/main" id="{05E0A59F-3AC3-D883-281A-76C094F637D2}"/>
-              </a:ext>
-            </a:extLst>
-          </p:cNvPr>
-          <p:cNvSpPr>
-            <a:spLocks noGrp="1"/>
-          </p:cNvSpPr>
-          <p:nvPr>
-            <p:ph type="body" idx="1"/>
-          </p:nvPr>
-        </p:nvSpPr>
-        <p:spPr/>
-        <p:txBody>
-          <a:bodyPr/>
-          <a:lstStyle/>
-          <a:p>
-            <a:endParaRPr lang="ru-RU"/>
-          </a:p>
-        </p:txBody>
-      </p:sp>
-    </p:spTree>
-    <p:extLst>
-      <p:ext uri="{BB962C8B-B14F-4D97-AF65-F5344CB8AC3E}">
-        <p14:creationId xmlns:p14="http://schemas.microsoft.com/office/powerpoint/2010/main" val="2584313887"/>
-      </p:ext>
-    </p:extLst>
-  </p:cSld>
-  <p:clrMapOvr>
-    <a:masterClrMapping/>
-  </p:clrMapOvr>
-</p:sld>
-</file>
-
-<file path=ppt/slides/slide61.xml><?xml version="1.0" encoding="utf-8"?>
-<p:sld xmlns:a="http://schemas.openxmlformats.org/drawingml/2006/main" xmlns:r="http://schemas.openxmlformats.org/officeDocument/2006/relationships" xmlns:p="http://schemas.openxmlformats.org/presentationml/2006/main">
-  <p:cSld>
-    <p:spTree>
-      <p:nvGrpSpPr>
-        <p:cNvPr id="1" name=""/>
-        <p:cNvGrpSpPr/>
-        <p:nvPr/>
-      </p:nvGrpSpPr>
-      <p:grpSpPr>
-        <a:xfrm>
-          <a:off x="0" y="0"/>
-          <a:ext cx="0" cy="0"/>
-          <a:chOff x="0" y="0"/>
-          <a:chExt cx="0" cy="0"/>
-        </a:xfrm>
-      </p:grpSpPr>
-      <p:sp>
-        <p:nvSpPr>
-          <p:cNvPr id="2" name="Заголовок 1">
-            <a:extLst>
-              <a:ext uri="{FF2B5EF4-FFF2-40B4-BE49-F238E27FC236}">
-                <a16:creationId xmlns:a16="http://schemas.microsoft.com/office/drawing/2014/main" id="{280D19DD-39CC-567E-A45E-AA769127982E}"/>
-              </a:ext>
-            </a:extLst>
-          </p:cNvPr>
-          <p:cNvSpPr>
-            <a:spLocks noGrp="1"/>
-          </p:cNvSpPr>
-          <p:nvPr>
-            <p:ph type="title"/>
-          </p:nvPr>
-        </p:nvSpPr>
-        <p:spPr/>
-        <p:txBody>
-          <a:bodyPr/>
-          <a:lstStyle/>
-          <a:p>
-            <a:r>
-              <a:rPr lang="ru-RU" dirty="0"/>
-              <a:t>Упражнение</a:t>
-            </a:r>
-            <a:r>
-              <a:rPr lang="en-US" dirty="0"/>
-              <a:t>: </a:t>
-            </a:r>
-            <a:r>
-              <a:rPr lang="ru-RU" dirty="0"/>
-              <a:t>Подсчитать количество проб по каждой скважине</a:t>
-            </a:r>
-          </a:p>
-        </p:txBody>
-      </p:sp>
-      <p:sp>
-        <p:nvSpPr>
-          <p:cNvPr id="3" name="Текст 2">
-            <a:extLst>
-              <a:ext uri="{FF2B5EF4-FFF2-40B4-BE49-F238E27FC236}">
-                <a16:creationId xmlns:a16="http://schemas.microsoft.com/office/drawing/2014/main" id="{B2C2CCD3-4354-CF49-702D-FABD82A4308D}"/>
-              </a:ext>
-            </a:extLst>
-          </p:cNvPr>
-          <p:cNvSpPr>
-            <a:spLocks noGrp="1"/>
-          </p:cNvSpPr>
-          <p:nvPr>
-            <p:ph type="body" idx="1"/>
-          </p:nvPr>
-        </p:nvSpPr>
-        <p:spPr/>
-        <p:txBody>
-          <a:bodyPr/>
-          <a:lstStyle/>
-          <a:p>
-            <a:endParaRPr lang="ru-RU"/>
-          </a:p>
-        </p:txBody>
-      </p:sp>
-    </p:spTree>
-    <p:extLst>
-      <p:ext uri="{BB962C8B-B14F-4D97-AF65-F5344CB8AC3E}">
-        <p14:creationId xmlns:p14="http://schemas.microsoft.com/office/powerpoint/2010/main" val="3339631334"/>
-      </p:ext>
-    </p:extLst>
-  </p:cSld>
-  <p:clrMapOvr>
-    <a:masterClrMapping/>
-  </p:clrMapOvr>
-</p:sld>
-</file>
-
-<file path=ppt/slides/slide62.xml><?xml version="1.0" encoding="utf-8"?>
-<p:sld xmlns:a="http://schemas.openxmlformats.org/drawingml/2006/main" xmlns:r="http://schemas.openxmlformats.org/officeDocument/2006/relationships" xmlns:p="http://schemas.openxmlformats.org/presentationml/2006/main">
-  <p:cSld>
-    <p:spTree>
-      <p:nvGrpSpPr>
-        <p:cNvPr id="1" name=""/>
-        <p:cNvGrpSpPr/>
-        <p:nvPr/>
-      </p:nvGrpSpPr>
-      <p:grpSpPr>
-        <a:xfrm>
-          <a:off x="0" y="0"/>
-          <a:ext cx="0" cy="0"/>
-          <a:chOff x="0" y="0"/>
-          <a:chExt cx="0" cy="0"/>
-        </a:xfrm>
-      </p:grpSpPr>
-      <p:sp>
-        <p:nvSpPr>
-          <p:cNvPr id="2" name="Заголовок 1">
-            <a:extLst>
-              <a:ext uri="{FF2B5EF4-FFF2-40B4-BE49-F238E27FC236}">
-                <a16:creationId xmlns:a16="http://schemas.microsoft.com/office/drawing/2014/main" id="{A14D2372-96E2-3554-E9D4-B2CAA5046146}"/>
-              </a:ext>
-            </a:extLst>
-          </p:cNvPr>
-          <p:cNvSpPr>
-            <a:spLocks noGrp="1"/>
-          </p:cNvSpPr>
-          <p:nvPr>
-            <p:ph type="title"/>
-          </p:nvPr>
-        </p:nvSpPr>
-        <p:spPr/>
-        <p:txBody>
-          <a:bodyPr>
-            <a:normAutofit fontScale="90000"/>
-          </a:bodyPr>
-          <a:lstStyle/>
-          <a:p>
-            <a:r>
-              <a:rPr lang="ru-RU" dirty="0"/>
-              <a:t>Упражнение</a:t>
-            </a:r>
-            <a:r>
-              <a:rPr lang="en-US" dirty="0"/>
-              <a:t>: </a:t>
-            </a:r>
-            <a:r>
-              <a:rPr lang="ru-RU" dirty="0"/>
-              <a:t>Используя оператор </a:t>
-            </a:r>
-            <a:r>
-              <a:rPr lang="en-US" dirty="0"/>
-              <a:t>CASE </a:t>
-            </a:r>
-            <a:r>
-              <a:rPr lang="ru-RU" dirty="0"/>
-              <a:t>определите категорию, к которой принадлежит проба</a:t>
-            </a:r>
-          </a:p>
-        </p:txBody>
-      </p:sp>
-      <p:sp>
-        <p:nvSpPr>
-          <p:cNvPr id="3" name="Текст 2">
-            <a:extLst>
-              <a:ext uri="{FF2B5EF4-FFF2-40B4-BE49-F238E27FC236}">
-                <a16:creationId xmlns:a16="http://schemas.microsoft.com/office/drawing/2014/main" id="{FCD92C1A-8BD0-AAA4-032E-8E471CE08D9D}"/>
-              </a:ext>
-            </a:extLst>
-          </p:cNvPr>
-          <p:cNvSpPr>
-            <a:spLocks noGrp="1"/>
-          </p:cNvSpPr>
-          <p:nvPr>
-            <p:ph type="body" idx="1"/>
-          </p:nvPr>
-        </p:nvSpPr>
-        <p:spPr/>
-        <p:txBody>
-          <a:bodyPr/>
-          <a:lstStyle/>
-          <a:p>
-            <a:r>
-              <a:rPr lang="ru-RU" dirty="0"/>
-              <a:t>Подсказка</a:t>
-            </a:r>
-            <a:r>
-              <a:rPr lang="en-US" dirty="0"/>
-              <a:t>: </a:t>
-            </a:r>
-            <a:r>
-              <a:rPr lang="ru-RU" dirty="0"/>
-              <a:t>Используйте категорию </a:t>
-            </a:r>
-            <a:r>
-              <a:rPr lang="en-US" dirty="0"/>
-              <a:t>‘</a:t>
-            </a:r>
-            <a:r>
-              <a:rPr lang="ru-RU" dirty="0"/>
-              <a:t>Богатая</a:t>
-            </a:r>
-            <a:r>
-              <a:rPr lang="en-US" dirty="0"/>
-              <a:t>’</a:t>
-            </a:r>
-            <a:r>
-              <a:rPr lang="ru-RU" dirty="0"/>
-              <a:t> если содержание золота </a:t>
-            </a:r>
-            <a:r>
-              <a:rPr lang="en-US" dirty="0"/>
-              <a:t>&gt; 2 </a:t>
-            </a:r>
-            <a:r>
-              <a:rPr lang="ru-RU" dirty="0"/>
-              <a:t>грамм на тонну, и </a:t>
-            </a:r>
-            <a:r>
-              <a:rPr lang="en-US" dirty="0"/>
-              <a:t>‘</a:t>
-            </a:r>
-            <a:r>
-              <a:rPr lang="ru-RU" dirty="0"/>
-              <a:t>Бедная</a:t>
-            </a:r>
-            <a:r>
-              <a:rPr lang="en-US" dirty="0"/>
-              <a:t>’</a:t>
-            </a:r>
-            <a:r>
-              <a:rPr lang="ru-RU" dirty="0"/>
-              <a:t> иначе</a:t>
-            </a:r>
-          </a:p>
-        </p:txBody>
-      </p:sp>
-    </p:spTree>
-    <p:extLst>
-      <p:ext uri="{BB962C8B-B14F-4D97-AF65-F5344CB8AC3E}">
-        <p14:creationId xmlns:p14="http://schemas.microsoft.com/office/powerpoint/2010/main" val="4131681387"/>
-      </p:ext>
-    </p:extLst>
-  </p:cSld>
-  <p:clrMapOvr>
-    <a:masterClrMapping/>
-  </p:clrMapOvr>
-</p:sld>
-</file>
-
-<file path=ppt/slides/slide63.xml><?xml version="1.0" encoding="utf-8"?>
-<p:sld xmlns:a="http://schemas.openxmlformats.org/drawingml/2006/main" xmlns:r="http://schemas.openxmlformats.org/officeDocument/2006/relationships" xmlns:p="http://schemas.openxmlformats.org/presentationml/2006/main">
-  <p:cSld>
-    <p:spTree>
-      <p:nvGrpSpPr>
-        <p:cNvPr id="1" name=""/>
-        <p:cNvGrpSpPr/>
-        <p:nvPr/>
-      </p:nvGrpSpPr>
-      <p:grpSpPr>
-        <a:xfrm>
-          <a:off x="0" y="0"/>
-          <a:ext cx="0" cy="0"/>
-          <a:chOff x="0" y="0"/>
-          <a:chExt cx="0" cy="0"/>
-        </a:xfrm>
-      </p:grpSpPr>
-      <p:sp>
-        <p:nvSpPr>
-          <p:cNvPr id="2" name="Заголовок 1">
-            <a:extLst>
-              <a:ext uri="{FF2B5EF4-FFF2-40B4-BE49-F238E27FC236}">
                 <a16:creationId xmlns:a16="http://schemas.microsoft.com/office/drawing/2014/main" id="{818D7FBC-7139-44A1-97F7-ED3BA0509356}"/>
               </a:ext>
             </a:extLst>
@@ -24400,7 +23883,7 @@
 </p:sld>
 </file>
 
-<file path=ppt/slides/slide64.xml><?xml version="1.0" encoding="utf-8"?>
+<file path=ppt/slides/slide61.xml><?xml version="1.0" encoding="utf-8"?>
 <p:sld xmlns:a="http://schemas.openxmlformats.org/drawingml/2006/main" xmlns:r="http://schemas.openxmlformats.org/officeDocument/2006/relationships" xmlns:p="http://schemas.openxmlformats.org/presentationml/2006/main">
   <p:cSld>
     <p:spTree>
@@ -24493,7 +23976,7 @@
 </p:sld>
 </file>
 
-<file path=ppt/slides/slide65.xml><?xml version="1.0" encoding="utf-8"?>
+<file path=ppt/slides/slide62.xml><?xml version="1.0" encoding="utf-8"?>
 <p:sld xmlns:a="http://schemas.openxmlformats.org/drawingml/2006/main" xmlns:r="http://schemas.openxmlformats.org/officeDocument/2006/relationships" xmlns:p="http://schemas.openxmlformats.org/presentationml/2006/main">
   <p:cSld>
     <p:spTree>
@@ -24510,8 +23993,418 @@
           <a:chExt cx="0" cy="0"/>
         </a:xfrm>
       </p:grpSpPr>
-      <mc:AlternateContent xmlns:mc="http://schemas.openxmlformats.org/markup-compatibility/2006">
-        <mc:Choice xmlns:a14="http://schemas.microsoft.com/office/drawing/2010/main" Requires="a14">
+      <p:sp>
+        <p:nvSpPr>
+          <p:cNvPr id="2" name="Заголовок 1">
+            <a:extLst>
+              <a:ext uri="{FF2B5EF4-FFF2-40B4-BE49-F238E27FC236}">
+                <a16:creationId xmlns:a16="http://schemas.microsoft.com/office/drawing/2014/main" id="{D3AFDB3E-6F7A-CF82-2F66-7BFF0935E465}"/>
+              </a:ext>
+            </a:extLst>
+          </p:cNvPr>
+          <p:cNvSpPr>
+            <a:spLocks noGrp="1"/>
+          </p:cNvSpPr>
+          <p:nvPr>
+            <p:ph type="title"/>
+          </p:nvPr>
+        </p:nvSpPr>
+        <p:spPr/>
+        <p:txBody>
+          <a:bodyPr>
+            <a:noAutofit/>
+          </a:bodyPr>
+          <a:lstStyle/>
+          <a:p>
+            <a:r>
+              <a:rPr lang="ru-RU" sz="4400" dirty="0"/>
+              <a:t>Упражнение*</a:t>
+            </a:r>
+            <a:r>
+              <a:rPr lang="en-US" sz="4400" dirty="0"/>
+              <a:t>: </a:t>
+            </a:r>
+            <a:r>
+              <a:rPr lang="ru-RU" sz="4400" dirty="0"/>
+              <a:t>Выбрать все записи из таблицы </a:t>
+            </a:r>
+            <a:r>
+              <a:rPr lang="en-US" sz="4400" dirty="0"/>
+              <a:t>Sample </a:t>
+            </a:r>
+            <a:r>
+              <a:rPr lang="ru-RU" sz="4400" dirty="0"/>
+              <a:t>и </a:t>
+            </a:r>
+            <a:r>
+              <a:rPr lang="en-US" sz="4400" dirty="0" err="1"/>
+              <a:t>DrillHole</a:t>
+            </a:r>
+            <a:r>
+              <a:rPr lang="ru-RU" sz="4400" dirty="0"/>
+              <a:t>, для которых есть общие записи, и объединить с таблицей</a:t>
+            </a:r>
+            <a:r>
+              <a:rPr lang="en-US" sz="4400" dirty="0"/>
+              <a:t> Lithology </a:t>
+            </a:r>
+            <a:r>
+              <a:rPr lang="ru-RU" sz="4400" dirty="0"/>
+              <a:t>и </a:t>
+            </a:r>
+            <a:r>
+              <a:rPr lang="en-US" sz="4400" dirty="0" err="1"/>
+              <a:t>Lithology_Types</a:t>
+            </a:r>
+            <a:r>
+              <a:rPr lang="en-US" sz="4400" dirty="0"/>
+              <a:t> (</a:t>
+            </a:r>
+            <a:r>
+              <a:rPr lang="ru-RU" sz="4400" dirty="0"/>
+              <a:t>используя </a:t>
+            </a:r>
+            <a:r>
+              <a:rPr lang="en-US" sz="4400" dirty="0"/>
+              <a:t>LEFT OUTER JOIN)</a:t>
+            </a:r>
+            <a:r>
+              <a:rPr lang="ru-RU" sz="4400" dirty="0"/>
+              <a:t>, подставляя значения </a:t>
+            </a:r>
+            <a:r>
+              <a:rPr lang="en-US" sz="4400" dirty="0"/>
+              <a:t>NULL </a:t>
+            </a:r>
+            <a:r>
+              <a:rPr lang="ru-RU" sz="4400" dirty="0"/>
+              <a:t>для отсутствующих записей в этих таблицах </a:t>
+            </a:r>
+          </a:p>
+        </p:txBody>
+      </p:sp>
+      <p:sp>
+        <p:nvSpPr>
+          <p:cNvPr id="3" name="Текст 2">
+            <a:extLst>
+              <a:ext uri="{FF2B5EF4-FFF2-40B4-BE49-F238E27FC236}">
+                <a16:creationId xmlns:a16="http://schemas.microsoft.com/office/drawing/2014/main" id="{B1128D79-146C-42A0-AE75-27433760E756}"/>
+              </a:ext>
+            </a:extLst>
+          </p:cNvPr>
+          <p:cNvSpPr>
+            <a:spLocks noGrp="1"/>
+          </p:cNvSpPr>
+          <p:nvPr>
+            <p:ph type="body" idx="1"/>
+          </p:nvPr>
+        </p:nvSpPr>
+        <p:spPr/>
+        <p:txBody>
+          <a:bodyPr/>
+          <a:lstStyle/>
+          <a:p>
+            <a:r>
+              <a:rPr lang="ru-RU" dirty="0"/>
+              <a:t>Подсказка</a:t>
+            </a:r>
+            <a:r>
+              <a:rPr lang="en-US" dirty="0"/>
+              <a:t>:</a:t>
+            </a:r>
+            <a:r>
+              <a:rPr lang="ru-RU" dirty="0"/>
+              <a:t> Используйте </a:t>
+            </a:r>
+            <a:r>
+              <a:rPr lang="en-US" dirty="0"/>
+              <a:t>LEFT JOIN </a:t>
+            </a:r>
+            <a:r>
+              <a:rPr lang="ru-RU" dirty="0"/>
+              <a:t>для таблиц </a:t>
+            </a:r>
+            <a:r>
+              <a:rPr lang="en-US" dirty="0"/>
+              <a:t>Lithology </a:t>
+            </a:r>
+            <a:r>
+              <a:rPr lang="ru-RU" dirty="0"/>
+              <a:t>и </a:t>
+            </a:r>
+            <a:r>
+              <a:rPr lang="en-US" dirty="0" err="1"/>
+              <a:t>Lithology_Types</a:t>
+            </a:r>
+            <a:r>
+              <a:rPr lang="en-US" dirty="0"/>
+              <a:t> </a:t>
+            </a:r>
+            <a:r>
+              <a:rPr lang="ru-RU" dirty="0"/>
+              <a:t>при объединение с таблицей </a:t>
+            </a:r>
+            <a:r>
+              <a:rPr lang="en-US" dirty="0" err="1"/>
+              <a:t>DrillHole</a:t>
+            </a:r>
+            <a:r>
+              <a:rPr lang="en-US" dirty="0"/>
+              <a:t> </a:t>
+            </a:r>
+            <a:r>
+              <a:rPr lang="ru-RU" dirty="0"/>
+              <a:t>и </a:t>
+            </a:r>
+            <a:r>
+              <a:rPr lang="en-US" dirty="0"/>
+              <a:t>Sample</a:t>
+            </a:r>
+            <a:r>
+              <a:rPr lang="ru-RU" dirty="0"/>
+              <a:t>, а также используйте сопоставление по </a:t>
+            </a:r>
+            <a:r>
+              <a:rPr lang="en-US" dirty="0" err="1"/>
+              <a:t>FromDepth</a:t>
+            </a:r>
+            <a:r>
+              <a:rPr lang="en-US" dirty="0"/>
+              <a:t> </a:t>
+            </a:r>
+            <a:r>
+              <a:rPr lang="ru-RU" dirty="0"/>
+              <a:t>и </a:t>
+            </a:r>
+            <a:r>
+              <a:rPr lang="en-US" dirty="0" err="1"/>
+              <a:t>ToDepth</a:t>
+            </a:r>
+            <a:r>
+              <a:rPr lang="en-US" dirty="0"/>
+              <a:t> </a:t>
+            </a:r>
+            <a:r>
+              <a:rPr lang="ru-RU" dirty="0"/>
+              <a:t>для таблиц </a:t>
+            </a:r>
+            <a:r>
+              <a:rPr lang="en-US" dirty="0"/>
+              <a:t>Sample </a:t>
+            </a:r>
+            <a:r>
+              <a:rPr lang="ru-RU" dirty="0"/>
+              <a:t>и </a:t>
+            </a:r>
+            <a:r>
+              <a:rPr lang="en-US" dirty="0"/>
+              <a:t>Lithology</a:t>
+            </a:r>
+            <a:endParaRPr lang="ru-RU" dirty="0"/>
+          </a:p>
+        </p:txBody>
+      </p:sp>
+    </p:spTree>
+    <p:extLst>
+      <p:ext uri="{BB962C8B-B14F-4D97-AF65-F5344CB8AC3E}">
+        <p14:creationId xmlns:p14="http://schemas.microsoft.com/office/powerpoint/2010/main" val="58593714"/>
+      </p:ext>
+    </p:extLst>
+  </p:cSld>
+  <p:clrMapOvr>
+    <a:masterClrMapping/>
+  </p:clrMapOvr>
+</p:sld>
+</file>
+
+<file path=ppt/slides/slide63.xml><?xml version="1.0" encoding="utf-8"?>
+<p:sld xmlns:a="http://schemas.openxmlformats.org/drawingml/2006/main" xmlns:r="http://schemas.openxmlformats.org/officeDocument/2006/relationships" xmlns:p="http://schemas.openxmlformats.org/presentationml/2006/main">
+  <p:cSld>
+    <p:spTree>
+      <p:nvGrpSpPr>
+        <p:cNvPr id="1" name=""/>
+        <p:cNvGrpSpPr/>
+        <p:nvPr/>
+      </p:nvGrpSpPr>
+      <p:grpSpPr>
+        <a:xfrm>
+          <a:off x="0" y="0"/>
+          <a:ext cx="0" cy="0"/>
+          <a:chOff x="0" y="0"/>
+          <a:chExt cx="0" cy="0"/>
+        </a:xfrm>
+      </p:grpSpPr>
+      <p:sp>
+        <p:nvSpPr>
+          <p:cNvPr id="2" name="Заголовок 1">
+            <a:extLst>
+              <a:ext uri="{FF2B5EF4-FFF2-40B4-BE49-F238E27FC236}">
+                <a16:creationId xmlns:a16="http://schemas.microsoft.com/office/drawing/2014/main" id="{F216DA5E-1108-E316-3A9E-E54F056A2AF9}"/>
+              </a:ext>
+            </a:extLst>
+          </p:cNvPr>
+          <p:cNvSpPr>
+            <a:spLocks noGrp="1"/>
+          </p:cNvSpPr>
+          <p:nvPr>
+            <p:ph type="title"/>
+          </p:nvPr>
+        </p:nvSpPr>
+        <p:spPr/>
+        <p:txBody>
+          <a:bodyPr>
+            <a:normAutofit fontScale="90000"/>
+          </a:bodyPr>
+          <a:lstStyle/>
+          <a:p>
+            <a:r>
+              <a:rPr lang="ru-RU" sz="4400" dirty="0"/>
+              <a:t>Упражнение*</a:t>
+            </a:r>
+            <a:r>
+              <a:rPr lang="en-US" sz="4400" dirty="0"/>
+              <a:t>: </a:t>
+            </a:r>
+            <a:r>
+              <a:rPr lang="ru-RU" sz="4400" dirty="0"/>
+              <a:t>Выбрать все записи из таблицы </a:t>
+            </a:r>
+            <a:r>
+              <a:rPr lang="en-US" sz="4400" dirty="0"/>
+              <a:t>Sample </a:t>
+            </a:r>
+            <a:r>
+              <a:rPr lang="ru-RU" sz="4400" dirty="0"/>
+              <a:t>и </a:t>
+            </a:r>
+            <a:r>
+              <a:rPr lang="en-US" sz="4400" dirty="0" err="1"/>
+              <a:t>DrillHole</a:t>
+            </a:r>
+            <a:r>
+              <a:rPr lang="ru-RU" sz="4400" dirty="0"/>
+              <a:t>, для которых есть общие записи, и объединить с таблицей</a:t>
+            </a:r>
+            <a:r>
+              <a:rPr lang="en-US" sz="4400" dirty="0"/>
+              <a:t> Lithology </a:t>
+            </a:r>
+            <a:r>
+              <a:rPr lang="ru-RU" sz="4400" dirty="0"/>
+              <a:t>и </a:t>
+            </a:r>
+            <a:r>
+              <a:rPr lang="en-US" sz="4400" dirty="0" err="1"/>
+              <a:t>Lithology_Types</a:t>
+            </a:r>
+            <a:r>
+              <a:rPr lang="ru-RU" sz="4400" dirty="0"/>
+              <a:t>, подставляя значения </a:t>
+            </a:r>
+            <a:r>
+              <a:rPr lang="en-US" sz="4400" dirty="0"/>
+              <a:t>NULL </a:t>
+            </a:r>
+            <a:r>
+              <a:rPr lang="ru-RU" sz="4400" dirty="0"/>
+              <a:t>для отсутствующих записей в этих таблицах, и отфильтровать значения, для которых </a:t>
+            </a:r>
+            <a:r>
+              <a:rPr lang="en-US" sz="4400" dirty="0" err="1"/>
+              <a:t>Lithology_Types.Description</a:t>
+            </a:r>
+            <a:r>
+              <a:rPr lang="en-US" sz="4400" dirty="0"/>
+              <a:t> </a:t>
+            </a:r>
+            <a:r>
+              <a:rPr lang="ru-RU" sz="4400" dirty="0"/>
+              <a:t>равен </a:t>
+            </a:r>
+            <a:r>
+              <a:rPr lang="en-US" sz="4400" dirty="0"/>
+              <a:t>‘</a:t>
+            </a:r>
+            <a:r>
+              <a:rPr lang="ru-RU" sz="4400" dirty="0"/>
+              <a:t>Известняк</a:t>
+            </a:r>
+            <a:r>
+              <a:rPr lang="en-US" sz="5300" dirty="0"/>
+              <a:t>’</a:t>
+            </a:r>
+            <a:endParaRPr lang="ru-RU" dirty="0"/>
+          </a:p>
+        </p:txBody>
+      </p:sp>
+      <p:sp>
+        <p:nvSpPr>
+          <p:cNvPr id="3" name="Текст 2">
+            <a:extLst>
+              <a:ext uri="{FF2B5EF4-FFF2-40B4-BE49-F238E27FC236}">
+                <a16:creationId xmlns:a16="http://schemas.microsoft.com/office/drawing/2014/main" id="{E7802012-B41C-4C61-6009-CD41D8731F12}"/>
+              </a:ext>
+            </a:extLst>
+          </p:cNvPr>
+          <p:cNvSpPr>
+            <a:spLocks noGrp="1"/>
+          </p:cNvSpPr>
+          <p:nvPr>
+            <p:ph type="body" idx="1"/>
+          </p:nvPr>
+        </p:nvSpPr>
+        <p:spPr/>
+        <p:txBody>
+          <a:bodyPr/>
+          <a:lstStyle/>
+          <a:p>
+            <a:r>
+              <a:rPr lang="ru-RU" dirty="0"/>
+              <a:t>Подсказка</a:t>
+            </a:r>
+            <a:r>
+              <a:rPr lang="en-US" dirty="0"/>
+              <a:t>: </a:t>
+            </a:r>
+            <a:r>
+              <a:rPr lang="ru-RU" dirty="0"/>
+              <a:t>Используйте запрос из предыдущего упражнения</a:t>
+            </a:r>
+          </a:p>
+        </p:txBody>
+      </p:sp>
+    </p:spTree>
+    <p:extLst>
+      <p:ext uri="{BB962C8B-B14F-4D97-AF65-F5344CB8AC3E}">
+        <p14:creationId xmlns:p14="http://schemas.microsoft.com/office/powerpoint/2010/main" val="392110719"/>
+      </p:ext>
+    </p:extLst>
+  </p:cSld>
+  <p:clrMapOvr>
+    <a:masterClrMapping/>
+  </p:clrMapOvr>
+</p:sld>
+</file>
+
+<file path=ppt/slides/slide64.xml><?xml version="1.0" encoding="utf-8"?>
+<p:sld xmlns:a="http://schemas.openxmlformats.org/drawingml/2006/main" xmlns:r="http://schemas.openxmlformats.org/officeDocument/2006/relationships" xmlns:p="http://schemas.openxmlformats.org/presentationml/2006/main">
+  <p:cSld>
+    <p:spTree>
+      <p:nvGrpSpPr>
+        <p:cNvPr id="1" name=""/>
+        <p:cNvGrpSpPr/>
+        <p:nvPr/>
+      </p:nvGrpSpPr>
+      <p:grpSpPr>
+        <a:xfrm>
+          <a:off x="0" y="0"/>
+          <a:ext cx="0" cy="0"/>
+          <a:chOff x="0" y="0"/>
+          <a:chExt cx="0" cy="0"/>
+        </a:xfrm>
+      </p:grpSpPr>
+      <mc:AlternateContent xmlns:mc="http://schemas.openxmlformats.org/markup-compatibility/2006" xmlns:a14="http://schemas.microsoft.com/office/drawing/2010/main">
+        <mc:Choice Requires="a14">
           <p:sp>
             <p:nvSpPr>
               <p:cNvPr id="2" name="Заголовок 1">
@@ -24669,7 +24562,7 @@
             </p:txBody>
           </p:sp>
         </mc:Choice>
-        <mc:Fallback>
+        <mc:Fallback xmlns="">
           <p:sp>
             <p:nvSpPr>
               <p:cNvPr id="2" name="Заголовок 1">
@@ -24750,7 +24643,7 @@
 </p:sld>
 </file>
 
-<file path=ppt/slides/slide66.xml><?xml version="1.0" encoding="utf-8"?>
+<file path=ppt/slides/slide65.xml><?xml version="1.0" encoding="utf-8"?>
 <p:sld xmlns:a="http://schemas.openxmlformats.org/drawingml/2006/main" xmlns:r="http://schemas.openxmlformats.org/officeDocument/2006/relationships" xmlns:p="http://schemas.openxmlformats.org/presentationml/2006/main">
   <p:cSld>
     <p:spTree>
@@ -24834,7 +24727,7 @@
 </p:sld>
 </file>
 
-<file path=ppt/slides/slide67.xml><?xml version="1.0" encoding="utf-8"?>
+<file path=ppt/slides/slide66.xml><?xml version="1.0" encoding="utf-8"?>
 <p:sld xmlns:a="http://schemas.openxmlformats.org/drawingml/2006/main" xmlns:r="http://schemas.openxmlformats.org/officeDocument/2006/relationships" xmlns:p="http://schemas.openxmlformats.org/presentationml/2006/main">
   <p:cSld>
     <p:spTree>
@@ -24975,12 +24868,12 @@
               <a:t> – </a:t>
             </a:r>
             <a:r>
-              <a:rPr lang="en-US" dirty="0" err="1">
+              <a:rPr lang="en-US" dirty="0">
                 <a:solidFill>
                   <a:srgbClr val="FF0000"/>
                 </a:solidFill>
               </a:rPr>
-              <a:t>DrillHoles</a:t>
+              <a:t>geology</a:t>
             </a:r>
             <a:endParaRPr lang="ru-RU" dirty="0">
               <a:solidFill>
